--- a/media/PShell AI.pptx
+++ b/media/PShell AI.pptx
@@ -5,8 +5,8 @@
     <p:sldMasterId id="2147483648" r:id="rId1"/>
   </p:sldMasterIdLst>
   <p:sldIdLst>
-    <p:sldId id="256" r:id="rId2"/>
-    <p:sldId id="257" r:id="rId3"/>
+    <p:sldId id="257" r:id="rId2"/>
+    <p:sldId id="258" r:id="rId3"/>
   </p:sldIdLst>
   <p:sldSz cx="12192000" cy="6858000"/>
   <p:notesSz cx="6858000" cy="9144000"/>
@@ -105,6 +105,11 @@
       </a:defRPr>
     </a:lvl9pPr>
   </p:defaultTextStyle>
+  <p:extLst>
+    <p:ext uri="{EFAFB233-063F-42B5-8137-9DF3F51BA10A}">
+      <p15:sldGuideLst xmlns:p15="http://schemas.microsoft.com/office/powerpoint/2012/main"/>
+    </p:ext>
+  </p:extLst>
 </p:presentation>
 </file>
 
@@ -255,7 +260,7 @@
           <a:p>
             <a:fld id="{F991C9BC-DFE4-4080-9502-B644929A3600}" type="datetimeFigureOut">
               <a:rPr lang="en-US" smtClean="0"/>
-              <a:t>10/15/2024</a:t>
+              <a:t>Tue 10/15/2024</a:t>
             </a:fld>
             <a:endParaRPr lang="en-US"/>
           </a:p>
@@ -453,7 +458,7 @@
           <a:p>
             <a:fld id="{F991C9BC-DFE4-4080-9502-B644929A3600}" type="datetimeFigureOut">
               <a:rPr lang="en-US" smtClean="0"/>
-              <a:t>10/15/2024</a:t>
+              <a:t>Tue 10/15/2024</a:t>
             </a:fld>
             <a:endParaRPr lang="en-US"/>
           </a:p>
@@ -661,7 +666,7 @@
           <a:p>
             <a:fld id="{F991C9BC-DFE4-4080-9502-B644929A3600}" type="datetimeFigureOut">
               <a:rPr lang="en-US" smtClean="0"/>
-              <a:t>10/15/2024</a:t>
+              <a:t>Tue 10/15/2024</a:t>
             </a:fld>
             <a:endParaRPr lang="en-US"/>
           </a:p>
@@ -859,7 +864,7 @@
           <a:p>
             <a:fld id="{F991C9BC-DFE4-4080-9502-B644929A3600}" type="datetimeFigureOut">
               <a:rPr lang="en-US" smtClean="0"/>
-              <a:t>10/15/2024</a:t>
+              <a:t>Tue 10/15/2024</a:t>
             </a:fld>
             <a:endParaRPr lang="en-US"/>
           </a:p>
@@ -1134,7 +1139,7 @@
           <a:p>
             <a:fld id="{F991C9BC-DFE4-4080-9502-B644929A3600}" type="datetimeFigureOut">
               <a:rPr lang="en-US" smtClean="0"/>
-              <a:t>10/15/2024</a:t>
+              <a:t>Tue 10/15/2024</a:t>
             </a:fld>
             <a:endParaRPr lang="en-US"/>
           </a:p>
@@ -1399,7 +1404,7 @@
           <a:p>
             <a:fld id="{F991C9BC-DFE4-4080-9502-B644929A3600}" type="datetimeFigureOut">
               <a:rPr lang="en-US" smtClean="0"/>
-              <a:t>10/15/2024</a:t>
+              <a:t>Tue 10/15/2024</a:t>
             </a:fld>
             <a:endParaRPr lang="en-US"/>
           </a:p>
@@ -1811,7 +1816,7 @@
           <a:p>
             <a:fld id="{F991C9BC-DFE4-4080-9502-B644929A3600}" type="datetimeFigureOut">
               <a:rPr lang="en-US" smtClean="0"/>
-              <a:t>10/15/2024</a:t>
+              <a:t>Tue 10/15/2024</a:t>
             </a:fld>
             <a:endParaRPr lang="en-US"/>
           </a:p>
@@ -1952,7 +1957,7 @@
           <a:p>
             <a:fld id="{F991C9BC-DFE4-4080-9502-B644929A3600}" type="datetimeFigureOut">
               <a:rPr lang="en-US" smtClean="0"/>
-              <a:t>10/15/2024</a:t>
+              <a:t>Tue 10/15/2024</a:t>
             </a:fld>
             <a:endParaRPr lang="en-US"/>
           </a:p>
@@ -2065,7 +2070,7 @@
           <a:p>
             <a:fld id="{F991C9BC-DFE4-4080-9502-B644929A3600}" type="datetimeFigureOut">
               <a:rPr lang="en-US" smtClean="0"/>
-              <a:t>10/15/2024</a:t>
+              <a:t>Tue 10/15/2024</a:t>
             </a:fld>
             <a:endParaRPr lang="en-US"/>
           </a:p>
@@ -2376,7 +2381,7 @@
           <a:p>
             <a:fld id="{F991C9BC-DFE4-4080-9502-B644929A3600}" type="datetimeFigureOut">
               <a:rPr lang="en-US" smtClean="0"/>
-              <a:t>10/15/2024</a:t>
+              <a:t>Tue 10/15/2024</a:t>
             </a:fld>
             <a:endParaRPr lang="en-US"/>
           </a:p>
@@ -2664,7 +2669,7 @@
           <a:p>
             <a:fld id="{F991C9BC-DFE4-4080-9502-B644929A3600}" type="datetimeFigureOut">
               <a:rPr lang="en-US" smtClean="0"/>
-              <a:t>10/15/2024</a:t>
+              <a:t>Tue 10/15/2024</a:t>
             </a:fld>
             <a:endParaRPr lang="en-US"/>
           </a:p>
@@ -2905,7 +2910,7 @@
           <a:p>
             <a:fld id="{F991C9BC-DFE4-4080-9502-B644929A3600}" type="datetimeFigureOut">
               <a:rPr lang="en-US" smtClean="0"/>
-              <a:t>10/15/2024</a:t>
+              <a:t>Tue 10/15/2024</a:t>
             </a:fld>
             <a:endParaRPr lang="en-US"/>
           </a:p>
@@ -3322,89 +3327,12 @@
           <a:chExt cx="0" cy="0"/>
         </a:xfrm>
       </p:grpSpPr>
-      <p:pic>
-        <p:nvPicPr>
-          <p:cNvPr id="1026" name="Picture 2">
-            <a:extLst>
-              <a:ext uri="{FF2B5EF4-FFF2-40B4-BE49-F238E27FC236}">
-                <a16:creationId xmlns:a16="http://schemas.microsoft.com/office/drawing/2014/main" id="{26CED27A-3E08-C062-CFE5-9DE62379730B}"/>
-              </a:ext>
-            </a:extLst>
-          </p:cNvPr>
-          <p:cNvPicPr>
-            <a:picLocks noChangeAspect="1" noChangeArrowheads="1"/>
-          </p:cNvPicPr>
-          <p:nvPr/>
-        </p:nvPicPr>
-        <p:blipFill>
-          <a:blip r:embed="rId2">
-            <a:extLst>
-              <a:ext uri="{28A0092B-C50C-407E-A947-70E740481C1C}">
-                <a14:useLocalDpi xmlns:a14="http://schemas.microsoft.com/office/drawing/2010/main" val="0"/>
-              </a:ext>
-            </a:extLst>
-          </a:blip>
-          <a:srcRect/>
-          <a:stretch>
-            <a:fillRect/>
-          </a:stretch>
-        </p:blipFill>
-        <p:spPr bwMode="auto">
-          <a:xfrm>
-            <a:off x="0" y="889635"/>
-            <a:ext cx="12192000" cy="2990850"/>
-          </a:xfrm>
-          <a:prstGeom prst="rect">
-            <a:avLst/>
-          </a:prstGeom>
-          <a:noFill/>
-          <a:extLst>
-            <a:ext uri="{909E8E84-426E-40DD-AFC4-6F175D3DCCD1}">
-              <a14:hiddenFill xmlns:a14="http://schemas.microsoft.com/office/drawing/2010/main">
-                <a:solidFill>
-                  <a:srgbClr val="FFFFFF"/>
-                </a:solidFill>
-              </a14:hiddenFill>
-            </a:ext>
-          </a:extLst>
-        </p:spPr>
-      </p:pic>
-    </p:spTree>
-    <p:extLst>
-      <p:ext uri="{BB962C8B-B14F-4D97-AF65-F5344CB8AC3E}">
-        <p14:creationId xmlns:p14="http://schemas.microsoft.com/office/powerpoint/2010/main" val="878490617"/>
-      </p:ext>
-    </p:extLst>
-  </p:cSld>
-  <p:clrMapOvr>
-    <a:masterClrMapping/>
-  </p:clrMapOvr>
-</p:sld>
-</file>
-
-<file path=ppt/slides/slide2.xml><?xml version="1.0" encoding="utf-8"?>
-<p:sld xmlns:a="http://schemas.openxmlformats.org/drawingml/2006/main" xmlns:r="http://schemas.openxmlformats.org/officeDocument/2006/relationships" xmlns:p="http://schemas.openxmlformats.org/presentationml/2006/main">
-  <p:cSld>
-    <p:spTree>
-      <p:nvGrpSpPr>
-        <p:cNvPr id="1" name=""/>
-        <p:cNvGrpSpPr/>
-        <p:nvPr/>
-      </p:nvGrpSpPr>
-      <p:grpSpPr>
-        <a:xfrm>
-          <a:off x="0" y="0"/>
-          <a:ext cx="0" cy="0"/>
-          <a:chOff x="0" y="0"/>
-          <a:chExt cx="0" cy="0"/>
-        </a:xfrm>
-      </p:grpSpPr>
       <p:grpSp>
         <p:nvGrpSpPr>
-          <p:cNvPr id="9" name="Group 8">
-            <a:extLst>
-              <a:ext uri="{FF2B5EF4-FFF2-40B4-BE49-F238E27FC236}">
-                <a16:creationId xmlns:a16="http://schemas.microsoft.com/office/drawing/2014/main" id="{82D348E6-D8E4-5725-48B3-DA0F0564667D}"/>
+          <p:cNvPr id="2" name="Group 1">
+            <a:extLst>
+              <a:ext uri="{FF2B5EF4-FFF2-40B4-BE49-F238E27FC236}">
+                <a16:creationId xmlns:a16="http://schemas.microsoft.com/office/drawing/2014/main" id="{38BBFE0C-EB1F-875B-1534-2EA4C9A09E0E}"/>
               </a:ext>
             </a:extLst>
           </p:cNvPr>
@@ -3510,7 +3438,7 @@
             </p:cNvPicPr>
             <p:nvPr/>
           </p:nvPicPr>
-          <p:blipFill>
+          <p:blipFill rotWithShape="1">
             <a:blip r:embed="rId2">
               <a:extLst>
                 <a:ext uri="{28A0092B-C50C-407E-A947-70E740481C1C}">
@@ -3518,15 +3446,13 @@
                 </a:ext>
               </a:extLst>
             </a:blip>
-            <a:srcRect/>
-            <a:stretch>
-              <a:fillRect/>
-            </a:stretch>
+            <a:srcRect l="13048" r="12184"/>
+            <a:stretch/>
           </p:blipFill>
           <p:spPr bwMode="auto">
             <a:xfrm>
-              <a:off x="2029099" y="2390286"/>
-              <a:ext cx="1686877" cy="947274"/>
+              <a:off x="2270234" y="2390286"/>
+              <a:ext cx="1261241" cy="947274"/>
             </a:xfrm>
             <a:prstGeom prst="rect">
               <a:avLst/>
@@ -3548,6 +3474,214 @@
     <p:extLst>
       <p:ext uri="{BB962C8B-B14F-4D97-AF65-F5344CB8AC3E}">
         <p14:creationId xmlns:p14="http://schemas.microsoft.com/office/powerpoint/2010/main" val="4133224649"/>
+      </p:ext>
+    </p:extLst>
+  </p:cSld>
+  <p:clrMapOvr>
+    <a:masterClrMapping/>
+  </p:clrMapOvr>
+</p:sld>
+</file>
+
+<file path=ppt/slides/slide2.xml><?xml version="1.0" encoding="utf-8"?>
+<p:sld xmlns:a="http://schemas.openxmlformats.org/drawingml/2006/main" xmlns:r="http://schemas.openxmlformats.org/officeDocument/2006/relationships" xmlns:p="http://schemas.openxmlformats.org/presentationml/2006/main">
+  <p:cSld>
+    <p:spTree>
+      <p:nvGrpSpPr>
+        <p:cNvPr id="1" name=""/>
+        <p:cNvGrpSpPr/>
+        <p:nvPr/>
+      </p:nvGrpSpPr>
+      <p:grpSpPr>
+        <a:xfrm>
+          <a:off x="0" y="0"/>
+          <a:ext cx="0" cy="0"/>
+          <a:chOff x="0" y="0"/>
+          <a:chExt cx="0" cy="0"/>
+        </a:xfrm>
+      </p:grpSpPr>
+      <p:grpSp>
+        <p:nvGrpSpPr>
+          <p:cNvPr id="8" name="Group 7">
+            <a:extLst>
+              <a:ext uri="{FF2B5EF4-FFF2-40B4-BE49-F238E27FC236}">
+                <a16:creationId xmlns:a16="http://schemas.microsoft.com/office/drawing/2014/main" id="{789265DF-354E-4526-A1CC-5F070FF471B9}"/>
+              </a:ext>
+            </a:extLst>
+          </p:cNvPr>
+          <p:cNvGrpSpPr/>
+          <p:nvPr/>
+        </p:nvGrpSpPr>
+        <p:grpSpPr>
+          <a:xfrm>
+            <a:off x="4992412" y="1615160"/>
+            <a:ext cx="4435367" cy="1064978"/>
+            <a:chOff x="2165129" y="1436484"/>
+            <a:chExt cx="4435367" cy="1064978"/>
+          </a:xfrm>
+        </p:grpSpPr>
+        <p:sp>
+          <p:nvSpPr>
+            <p:cNvPr id="7" name="Rectangle 6">
+              <a:extLst>
+                <a:ext uri="{FF2B5EF4-FFF2-40B4-BE49-F238E27FC236}">
+                  <a16:creationId xmlns:a16="http://schemas.microsoft.com/office/drawing/2014/main" id="{D10E1E51-4FBE-EF32-5F22-A7273621F753}"/>
+                </a:ext>
+              </a:extLst>
+            </p:cNvPr>
+            <p:cNvSpPr/>
+            <p:nvPr/>
+          </p:nvSpPr>
+          <p:spPr>
+            <a:xfrm>
+              <a:off x="2165129" y="1436484"/>
+              <a:ext cx="4435367" cy="1064978"/>
+            </a:xfrm>
+            <a:prstGeom prst="rect">
+              <a:avLst/>
+            </a:prstGeom>
+            <a:solidFill>
+              <a:srgbClr val="000000"/>
+            </a:solidFill>
+          </p:spPr>
+          <p:style>
+            <a:lnRef idx="2">
+              <a:schemeClr val="accent1">
+                <a:shade val="15000"/>
+              </a:schemeClr>
+            </a:lnRef>
+            <a:fillRef idx="1">
+              <a:schemeClr val="accent1"/>
+            </a:fillRef>
+            <a:effectRef idx="0">
+              <a:schemeClr val="accent1"/>
+            </a:effectRef>
+            <a:fontRef idx="minor">
+              <a:schemeClr val="lt1"/>
+            </a:fontRef>
+          </p:style>
+          <p:txBody>
+            <a:bodyPr rtlCol="0" anchor="ctr"/>
+            <a:lstStyle/>
+            <a:p>
+              <a:pPr algn="ctr"/>
+              <a:endParaRPr lang="en-US"/>
+            </a:p>
+          </p:txBody>
+        </p:sp>
+        <p:sp>
+          <p:nvSpPr>
+            <p:cNvPr id="5" name="TextBox 4">
+              <a:extLst>
+                <a:ext uri="{FF2B5EF4-FFF2-40B4-BE49-F238E27FC236}">
+                  <a16:creationId xmlns:a16="http://schemas.microsoft.com/office/drawing/2014/main" id="{EBD337B2-E802-539A-398B-A44556FAD870}"/>
+                </a:ext>
+              </a:extLst>
+            </p:cNvPr>
+            <p:cNvSpPr txBox="1"/>
+            <p:nvPr/>
+          </p:nvSpPr>
+          <p:spPr>
+            <a:xfrm>
+              <a:off x="3505200" y="1480242"/>
+              <a:ext cx="3021724" cy="923330"/>
+            </a:xfrm>
+            <a:prstGeom prst="rect">
+              <a:avLst/>
+            </a:prstGeom>
+            <a:solidFill>
+              <a:schemeClr val="tx1"/>
+            </a:solidFill>
+          </p:spPr>
+          <p:txBody>
+            <a:bodyPr wrap="square" rtlCol="0">
+              <a:spAutoFit/>
+            </a:bodyPr>
+            <a:lstStyle/>
+            <a:p>
+              <a:r>
+                <a:rPr lang="en-US" sz="5400" b="1" dirty="0">
+                  <a:solidFill>
+                    <a:schemeClr val="bg1"/>
+                  </a:solidFill>
+                </a:rPr>
+                <a:t>PShell</a:t>
+              </a:r>
+              <a:r>
+                <a:rPr lang="en-US" sz="5400" b="1" dirty="0"/>
+                <a:t> </a:t>
+              </a:r>
+              <a:r>
+                <a:rPr lang="en-US" sz="5400" b="1" dirty="0">
+                  <a:solidFill>
+                    <a:schemeClr val="accent1">
+                      <a:lumMod val="60000"/>
+                      <a:lumOff val="40000"/>
+                    </a:schemeClr>
+                  </a:solidFill>
+                </a:rPr>
+                <a:t>AI</a:t>
+              </a:r>
+              <a:endParaRPr lang="en-US" sz="3600" dirty="0">
+                <a:solidFill>
+                  <a:schemeClr val="bg1">
+                    <a:lumMod val="50000"/>
+                  </a:schemeClr>
+                </a:solidFill>
+              </a:endParaRPr>
+            </a:p>
+          </p:txBody>
+        </p:sp>
+        <p:pic>
+          <p:nvPicPr>
+            <p:cNvPr id="6" name="Picture 6">
+              <a:extLst>
+                <a:ext uri="{FF2B5EF4-FFF2-40B4-BE49-F238E27FC236}">
+                  <a16:creationId xmlns:a16="http://schemas.microsoft.com/office/drawing/2014/main" id="{67CA5EDA-F3B8-AC16-B8F9-C5C11E0F302F}"/>
+                </a:ext>
+              </a:extLst>
+            </p:cNvPr>
+            <p:cNvPicPr>
+              <a:picLocks noChangeAspect="1" noChangeArrowheads="1"/>
+            </p:cNvPicPr>
+            <p:nvPr/>
+          </p:nvPicPr>
+          <p:blipFill rotWithShape="1">
+            <a:blip r:embed="rId2">
+              <a:extLst>
+                <a:ext uri="{28A0092B-C50C-407E-A947-70E740481C1C}">
+                  <a14:useLocalDpi xmlns:a14="http://schemas.microsoft.com/office/drawing/2010/main" val="0"/>
+                </a:ext>
+              </a:extLst>
+            </a:blip>
+            <a:srcRect l="13048" r="12184"/>
+            <a:stretch/>
+          </p:blipFill>
+          <p:spPr bwMode="auto">
+            <a:xfrm>
+              <a:off x="2186151" y="1480242"/>
+              <a:ext cx="1261241" cy="947274"/>
+            </a:xfrm>
+            <a:prstGeom prst="rect">
+              <a:avLst/>
+            </a:prstGeom>
+            <a:noFill/>
+            <a:extLst>
+              <a:ext uri="{909E8E84-426E-40DD-AFC4-6F175D3DCCD1}">
+                <a14:hiddenFill xmlns:a14="http://schemas.microsoft.com/office/drawing/2010/main">
+                  <a:solidFill>
+                    <a:srgbClr val="FFFFFF"/>
+                  </a:solidFill>
+                </a14:hiddenFill>
+              </a:ext>
+            </a:extLst>
+          </p:spPr>
+        </p:pic>
+      </p:grpSp>
+    </p:spTree>
+    <p:extLst>
+      <p:ext uri="{BB962C8B-B14F-4D97-AF65-F5344CB8AC3E}">
+        <p14:creationId xmlns:p14="http://schemas.microsoft.com/office/powerpoint/2010/main" val="571417577"/>
       </p:ext>
     </p:extLst>
   </p:cSld>
